--- a/files/iswc2016-slide-formal.pptx
+++ b/files/iswc2016-slide-formal.pptx
@@ -111,6 +111,11 @@
       </a:defRPr>
     </a:lvl9pPr>
   </p:defaultTextStyle>
+  <p:extLst>
+    <p:ext uri="{EFAFB233-063F-42B5-8137-9DF3F51BA10A}">
+      <p15:sldGuideLst xmlns:p15="http://schemas.microsoft.com/office/powerpoint/2012/main"/>
+    </p:ext>
+  </p:extLst>
 </p:presentation>
 </file>
 
@@ -196,7 +201,7 @@
           <a:p>
             <a:fld id="{AE4AC575-AC5C-A746-BE02-2EF7EA4BB4F7}" type="datetimeFigureOut">
               <a:rPr lang="en-US" smtClean="0"/>
-              <a:t>4/30/16</a:t>
+              <a:t>5/6/16</a:t>
             </a:fld>
             <a:endParaRPr lang="en-US"/>
           </a:p>
@@ -679,7 +684,7 @@
           <a:p>
             <a:fld id="{C0F9EF1C-D0A2-5244-B572-B94D592C689C}" type="datetime1">
               <a:rPr lang="en-US" smtClean="0"/>
-              <a:t>4/30/16</a:t>
+              <a:t>5/6/16</a:t>
             </a:fld>
             <a:endParaRPr lang="en-US"/>
           </a:p>
@@ -849,7 +854,7 @@
           <a:p>
             <a:fld id="{BC98ADD9-25BB-3746-8FC4-352E0147841D}" type="datetime1">
               <a:rPr lang="en-US" smtClean="0"/>
-              <a:t>4/30/16</a:t>
+              <a:t>5/6/16</a:t>
             </a:fld>
             <a:endParaRPr lang="en-US"/>
           </a:p>
@@ -1029,7 +1034,7 @@
           <a:p>
             <a:fld id="{E7BC0A6B-D513-6446-B76A-153525FEF765}" type="datetime1">
               <a:rPr lang="en-US" smtClean="0"/>
-              <a:t>4/30/16</a:t>
+              <a:t>5/6/16</a:t>
             </a:fld>
             <a:endParaRPr lang="en-US"/>
           </a:p>
@@ -1199,7 +1204,7 @@
           <a:p>
             <a:fld id="{20AD1FA1-66F5-FC42-82CA-0E9054FBA4C8}" type="datetime1">
               <a:rPr lang="en-US" smtClean="0"/>
-              <a:t>4/30/16</a:t>
+              <a:t>5/6/16</a:t>
             </a:fld>
             <a:endParaRPr lang="en-US"/>
           </a:p>
@@ -1443,7 +1448,7 @@
           <a:p>
             <a:fld id="{BCEAEB06-9E38-A24A-8EEE-3FF145BBE3AE}" type="datetime1">
               <a:rPr lang="en-US" smtClean="0"/>
-              <a:t>4/30/16</a:t>
+              <a:t>5/6/16</a:t>
             </a:fld>
             <a:endParaRPr lang="en-US"/>
           </a:p>
@@ -1675,7 +1680,7 @@
           <a:p>
             <a:fld id="{64868A99-DC4F-8C44-A1CB-F4D965EDBBFD}" type="datetime1">
               <a:rPr lang="en-US" smtClean="0"/>
-              <a:t>4/30/16</a:t>
+              <a:t>5/6/16</a:t>
             </a:fld>
             <a:endParaRPr lang="en-US"/>
           </a:p>
@@ -2042,7 +2047,7 @@
           <a:p>
             <a:fld id="{2ECB93BC-1205-B44D-BFB7-F6555B38B871}" type="datetime1">
               <a:rPr lang="en-US" smtClean="0"/>
-              <a:t>4/30/16</a:t>
+              <a:t>5/6/16</a:t>
             </a:fld>
             <a:endParaRPr lang="en-US"/>
           </a:p>
@@ -2160,7 +2165,7 @@
           <a:p>
             <a:fld id="{2FE3CEF1-5276-7043-8E22-023C01031606}" type="datetime1">
               <a:rPr lang="en-US" smtClean="0"/>
-              <a:t>4/30/16</a:t>
+              <a:t>5/6/16</a:t>
             </a:fld>
             <a:endParaRPr lang="en-US"/>
           </a:p>
@@ -2255,7 +2260,7 @@
           <a:p>
             <a:fld id="{4F8D836A-0EBF-F24A-95EF-F7D3329B9A30}" type="datetime1">
               <a:rPr lang="en-US" smtClean="0"/>
-              <a:t>4/30/16</a:t>
+              <a:t>5/6/16</a:t>
             </a:fld>
             <a:endParaRPr lang="en-US"/>
           </a:p>
@@ -2532,7 +2537,7 @@
           <a:p>
             <a:fld id="{A0524C8E-4C43-0542-AF80-389D5E204D18}" type="datetime1">
               <a:rPr lang="en-US" smtClean="0"/>
-              <a:t>4/30/16</a:t>
+              <a:t>5/6/16</a:t>
             </a:fld>
             <a:endParaRPr lang="en-US"/>
           </a:p>
@@ -2789,7 +2794,7 @@
           <a:p>
             <a:fld id="{1CAEC221-A751-574B-A0E6-06C291E3AECF}" type="datetime1">
               <a:rPr lang="en-US" smtClean="0"/>
-              <a:t>4/30/16</a:t>
+              <a:t>5/6/16</a:t>
             </a:fld>
             <a:endParaRPr lang="en-US"/>
           </a:p>
@@ -3002,7 +3007,7 @@
           <a:p>
             <a:fld id="{E23851E6-3CD1-8C41-831B-78F6F775DCC9}" type="datetime1">
               <a:rPr lang="en-US" smtClean="0"/>
-              <a:t>4/30/16</a:t>
+              <a:t>5/6/16</a:t>
             </a:fld>
             <a:endParaRPr lang="en-US"/>
           </a:p>
@@ -3855,10 +3860,18 @@
           <a:lstStyle/>
           <a:p>
             <a:r>
-              <a:rPr lang="en-US" b="1" dirty="0" smtClean="0"/>
+              <a:rPr lang="en-US" dirty="0" smtClean="0">
+                <a:latin typeface="Helvetica Light" charset="0"/>
+                <a:ea typeface="Helvetica Light" charset="0"/>
+                <a:cs typeface="Helvetica Light" charset="0"/>
+              </a:rPr>
               <a:t>Title</a:t>
             </a:r>
-            <a:endParaRPr lang="en-US" b="1" dirty="0"/>
+            <a:endParaRPr lang="en-US" dirty="0">
+              <a:latin typeface="Helvetica Light" charset="0"/>
+              <a:ea typeface="Helvetica Light" charset="0"/>
+              <a:cs typeface="Helvetica Light" charset="0"/>
+            </a:endParaRPr>
           </a:p>
         </p:txBody>
       </p:sp>
@@ -3883,10 +3896,18 @@
           <a:lstStyle/>
           <a:p>
             <a:r>
-              <a:rPr lang="en-US" dirty="0" smtClean="0"/>
+              <a:rPr lang="en-US" dirty="0" smtClean="0">
+                <a:latin typeface="Helvetica Light" charset="0"/>
+                <a:ea typeface="Helvetica Light" charset="0"/>
+                <a:cs typeface="Helvetica Light" charset="0"/>
+              </a:rPr>
               <a:t>Subtitle</a:t>
             </a:r>
-            <a:endParaRPr lang="en-US" dirty="0"/>
+            <a:endParaRPr lang="en-US" dirty="0">
+              <a:latin typeface="Helvetica Light" charset="0"/>
+              <a:ea typeface="Helvetica Light" charset="0"/>
+              <a:cs typeface="Helvetica Light" charset="0"/>
+            </a:endParaRPr>
           </a:p>
         </p:txBody>
       </p:sp>
@@ -4514,9 +4535,10 @@
                 </a:lstStyle>
                 <a:p>
                   <a:r>
-                    <a:rPr lang="en-US" sz="4286" dirty="0">
-                      <a:latin typeface="Leelawadee UI Semilight" panose="020B0402040204020203" pitchFamily="34" charset="-34"/>
-                      <a:cs typeface="Leelawadee UI Semilight" panose="020B0402040204020203" pitchFamily="34" charset="-34"/>
+                    <a:rPr lang="en-US" sz="4286" b="0" dirty="0">
+                      <a:latin typeface="Helvetica Light" charset="0"/>
+                      <a:ea typeface="Helvetica Light" charset="0"/>
+                      <a:cs typeface="Helvetica Light" charset="0"/>
                     </a:rPr>
                     <a:t>2 0 1 6</a:t>
                   </a:r>
@@ -4562,10 +4584,13 @@
                 </a:lstStyle>
                 <a:p>
                   <a:r>
-                    <a:rPr lang="en-US" sz="4286" spc="429" dirty="0">
+                    <a:rPr lang="en-US" sz="4286" b="0" spc="429" dirty="0">
                       <a:solidFill>
                         <a:schemeClr val="tx1"/>
                       </a:solidFill>
+                      <a:latin typeface="Helvetica Light" charset="0"/>
+                      <a:ea typeface="Helvetica Light" charset="0"/>
+                      <a:cs typeface="Helvetica Light" charset="0"/>
                     </a:rPr>
                     <a:t>Kobe, Japan</a:t>
                   </a:r>
@@ -4608,23 +4633,26 @@
                 <a:p>
                   <a:pPr algn="just"/>
                   <a:r>
-                    <a:rPr lang="en-US" sz="4286" dirty="0">
-                      <a:latin typeface="Leelawadee UI Semilight" panose="020B0402040204020203" pitchFamily="34" charset="-34"/>
-                      <a:cs typeface="Leelawadee UI Semilight" panose="020B0402040204020203" pitchFamily="34" charset="-34"/>
+                    <a:rPr lang="en-US" sz="4286" b="0" dirty="0">
+                      <a:latin typeface="Helvetica Light" charset="0"/>
+                      <a:ea typeface="Helvetica Light" charset="0"/>
+                      <a:cs typeface="Helvetica Light" charset="0"/>
                     </a:rPr>
                     <a:t>The 15</a:t>
                   </a:r>
                   <a:r>
-                    <a:rPr lang="en-US" sz="4286" baseline="30000" dirty="0">
-                      <a:latin typeface="Leelawadee UI Semilight" panose="020B0402040204020203" pitchFamily="34" charset="-34"/>
-                      <a:cs typeface="Leelawadee UI Semilight" panose="020B0402040204020203" pitchFamily="34" charset="-34"/>
+                    <a:rPr lang="en-US" sz="4286" b="0" baseline="30000" dirty="0">
+                      <a:latin typeface="Helvetica Light" charset="0"/>
+                      <a:ea typeface="Helvetica Light" charset="0"/>
+                      <a:cs typeface="Helvetica Light" charset="0"/>
                     </a:rPr>
                     <a:t>th</a:t>
                   </a:r>
                   <a:r>
-                    <a:rPr lang="en-US" sz="4286" dirty="0">
-                      <a:latin typeface="Leelawadee UI Semilight" panose="020B0402040204020203" pitchFamily="34" charset="-34"/>
-                      <a:cs typeface="Leelawadee UI Semilight" panose="020B0402040204020203" pitchFamily="34" charset="-34"/>
+                    <a:rPr lang="en-US" sz="4286" b="0" dirty="0">
+                      <a:latin typeface="Helvetica Light" charset="0"/>
+                      <a:ea typeface="Helvetica Light" charset="0"/>
+                      <a:cs typeface="Helvetica Light" charset="0"/>
                     </a:rPr>
                     <a:t> </a:t>
                   </a:r>
@@ -4632,9 +4660,10 @@
                 <a:p>
                   <a:pPr algn="just"/>
                   <a:r>
-                    <a:rPr lang="en-US" sz="4286" dirty="0">
-                      <a:latin typeface="Leelawadee UI Semilight" panose="020B0402040204020203" pitchFamily="34" charset="-34"/>
-                      <a:cs typeface="Leelawadee UI Semilight" panose="020B0402040204020203" pitchFamily="34" charset="-34"/>
+                    <a:rPr lang="en-US" sz="4286" b="0" dirty="0">
+                      <a:latin typeface="Helvetica Light" charset="0"/>
+                      <a:ea typeface="Helvetica Light" charset="0"/>
+                      <a:cs typeface="Helvetica Light" charset="0"/>
                     </a:rPr>
                     <a:t>International</a:t>
                   </a:r>
@@ -4642,9 +4671,10 @@
                 <a:p>
                   <a:pPr algn="just"/>
                   <a:r>
-                    <a:rPr lang="en-US" sz="4286" dirty="0">
-                      <a:latin typeface="Leelawadee UI Semilight" panose="020B0402040204020203" pitchFamily="34" charset="-34"/>
-                      <a:cs typeface="Leelawadee UI Semilight" panose="020B0402040204020203" pitchFamily="34" charset="-34"/>
+                    <a:rPr lang="en-US" sz="4286" b="0" dirty="0">
+                      <a:latin typeface="Helvetica Light" charset="0"/>
+                      <a:ea typeface="Helvetica Light" charset="0"/>
+                      <a:cs typeface="Helvetica Light" charset="0"/>
                     </a:rPr>
                     <a:t>Semantic Web</a:t>
                   </a:r>
@@ -4652,9 +4682,10 @@
                 <a:p>
                   <a:pPr algn="just"/>
                   <a:r>
-                    <a:rPr lang="en-US" sz="4286" dirty="0">
-                      <a:latin typeface="Leelawadee UI Semilight" panose="020B0402040204020203" pitchFamily="34" charset="-34"/>
-                      <a:cs typeface="Leelawadee UI Semilight" panose="020B0402040204020203" pitchFamily="34" charset="-34"/>
+                    <a:rPr lang="en-US" sz="4286" b="0" dirty="0">
+                      <a:latin typeface="Helvetica Light" charset="0"/>
+                      <a:ea typeface="Helvetica Light" charset="0"/>
+                      <a:cs typeface="Helvetica Light" charset="0"/>
                     </a:rPr>
                     <a:t>Conference</a:t>
                   </a:r>
@@ -4688,9 +4719,10 @@
               <a:lstStyle/>
               <a:p>
                 <a:r>
-                  <a:rPr lang="en-US" sz="1857" b="1" dirty="0">
-                    <a:latin typeface="Leelawadee" panose="020B0502040204020203" pitchFamily="34" charset="-34"/>
-                    <a:cs typeface="Leelawadee" panose="020B0502040204020203" pitchFamily="34" charset="-34"/>
+                  <a:rPr lang="en-US" sz="1857" dirty="0">
+                    <a:latin typeface="Helvetica Light" charset="0"/>
+                    <a:ea typeface="Helvetica Light" charset="0"/>
+                    <a:cs typeface="Helvetica Light" charset="0"/>
                   </a:rPr>
                   <a:t>October 17-21</a:t>
                 </a:r>
@@ -4904,7 +4936,7 @@
         </p:nvSpPr>
         <p:spPr>
           <a:xfrm>
-            <a:off x="2745704" y="1128844"/>
+            <a:off x="2745704" y="1145469"/>
             <a:ext cx="6073850" cy="816645"/>
           </a:xfrm>
         </p:spPr>
@@ -4916,10 +4948,18 @@
           <a:p>
             <a:pPr algn="ctr"/>
             <a:r>
-              <a:rPr lang="en-US" sz="4800" b="1" dirty="0" smtClean="0"/>
+              <a:rPr lang="en-US" sz="4000" dirty="0" smtClean="0">
+                <a:latin typeface="Helvetica Light" charset="0"/>
+                <a:ea typeface="Helvetica Light" charset="0"/>
+                <a:cs typeface="Helvetica Light" charset="0"/>
+              </a:rPr>
               <a:t>Agenda</a:t>
             </a:r>
-            <a:endParaRPr lang="en-US" sz="4800" b="1" dirty="0"/>
+            <a:endParaRPr lang="en-US" sz="4000" dirty="0">
+              <a:latin typeface="Helvetica Light" charset="0"/>
+              <a:ea typeface="Helvetica Light" charset="0"/>
+              <a:cs typeface="Helvetica Light" charset="0"/>
+            </a:endParaRPr>
           </a:p>
         </p:txBody>
       </p:sp>
@@ -4935,32 +4975,40 @@
         </p:nvSpPr>
         <p:spPr>
           <a:xfrm>
-            <a:off x="3600450" y="2201169"/>
-            <a:ext cx="5177030" cy="3975793"/>
+            <a:off x="3600450" y="2242126"/>
+            <a:ext cx="5177030" cy="3540338"/>
           </a:xfrm>
         </p:spPr>
         <p:txBody>
-          <a:bodyPr/>
+          <a:bodyPr>
+            <a:normAutofit/>
+          </a:bodyPr>
           <a:lstStyle/>
           <a:p>
             <a:r>
-              <a:rPr lang="en-US" dirty="0" smtClean="0">
+              <a:rPr lang="en-US" sz="2000" dirty="0" smtClean="0">
                 <a:solidFill>
                   <a:schemeClr val="tx1">
                     <a:lumMod val="85000"/>
                     <a:lumOff val="15000"/>
                   </a:schemeClr>
                 </a:solidFill>
+                <a:latin typeface="Helvetica Light" charset="0"/>
+                <a:ea typeface="Helvetica Light" charset="0"/>
+                <a:cs typeface="Helvetica Light" charset="0"/>
               </a:rPr>
               <a:t>Description</a:t>
             </a:r>
-            <a:endParaRPr lang="en-US" dirty="0">
+            <a:endParaRPr lang="en-US" sz="2000" dirty="0">
               <a:solidFill>
                 <a:schemeClr val="tx1">
                   <a:lumMod val="85000"/>
                   <a:lumOff val="15000"/>
                 </a:schemeClr>
               </a:solidFill>
+              <a:latin typeface="Helvetica Light" charset="0"/>
+              <a:ea typeface="Helvetica Light" charset="0"/>
+              <a:cs typeface="Helvetica Light" charset="0"/>
             </a:endParaRPr>
           </a:p>
         </p:txBody>
@@ -7796,9 +7844,10 @@
                 </a:lstStyle>
                 <a:p>
                   <a:r>
-                    <a:rPr lang="en-US" sz="4286" dirty="0">
-                      <a:latin typeface="Leelawadee UI Semilight" panose="020B0402040204020203" pitchFamily="34" charset="-34"/>
-                      <a:cs typeface="Leelawadee UI Semilight" panose="020B0402040204020203" pitchFamily="34" charset="-34"/>
+                    <a:rPr lang="en-US" sz="4286" b="0" dirty="0">
+                      <a:latin typeface="Helvetica Light" charset="0"/>
+                      <a:ea typeface="Helvetica Light" charset="0"/>
+                      <a:cs typeface="Helvetica Light" charset="0"/>
                     </a:rPr>
                     <a:t>2 0 1 6</a:t>
                   </a:r>
@@ -7844,10 +7893,13 @@
                 </a:lstStyle>
                 <a:p>
                   <a:r>
-                    <a:rPr lang="en-US" sz="4286" spc="429" dirty="0">
+                    <a:rPr lang="en-US" sz="4286" b="0" spc="429" dirty="0">
                       <a:solidFill>
                         <a:schemeClr val="tx1"/>
                       </a:solidFill>
+                      <a:latin typeface="Helvetica Light" charset="0"/>
+                      <a:ea typeface="Helvetica Light" charset="0"/>
+                      <a:cs typeface="Helvetica Light" charset="0"/>
                     </a:rPr>
                     <a:t>Kobe, Japan</a:t>
                   </a:r>
@@ -7890,23 +7942,26 @@
                 <a:p>
                   <a:pPr algn="just"/>
                   <a:r>
-                    <a:rPr lang="en-US" sz="4286" dirty="0">
-                      <a:latin typeface="Leelawadee UI Semilight" panose="020B0402040204020203" pitchFamily="34" charset="-34"/>
-                      <a:cs typeface="Leelawadee UI Semilight" panose="020B0402040204020203" pitchFamily="34" charset="-34"/>
+                    <a:rPr lang="en-US" sz="4286" b="0" dirty="0">
+                      <a:latin typeface="Helvetica Light" charset="0"/>
+                      <a:ea typeface="Helvetica Light" charset="0"/>
+                      <a:cs typeface="Helvetica Light" charset="0"/>
                     </a:rPr>
                     <a:t>The 15</a:t>
                   </a:r>
                   <a:r>
-                    <a:rPr lang="en-US" sz="4286" baseline="30000" dirty="0">
-                      <a:latin typeface="Leelawadee UI Semilight" panose="020B0402040204020203" pitchFamily="34" charset="-34"/>
-                      <a:cs typeface="Leelawadee UI Semilight" panose="020B0402040204020203" pitchFamily="34" charset="-34"/>
+                    <a:rPr lang="en-US" sz="4286" b="0" baseline="30000" dirty="0">
+                      <a:latin typeface="Helvetica Light" charset="0"/>
+                      <a:ea typeface="Helvetica Light" charset="0"/>
+                      <a:cs typeface="Helvetica Light" charset="0"/>
                     </a:rPr>
                     <a:t>th</a:t>
                   </a:r>
                   <a:r>
-                    <a:rPr lang="en-US" sz="4286" dirty="0">
-                      <a:latin typeface="Leelawadee UI Semilight" panose="020B0402040204020203" pitchFamily="34" charset="-34"/>
-                      <a:cs typeface="Leelawadee UI Semilight" panose="020B0402040204020203" pitchFamily="34" charset="-34"/>
+                    <a:rPr lang="en-US" sz="4286" b="0" dirty="0">
+                      <a:latin typeface="Helvetica Light" charset="0"/>
+                      <a:ea typeface="Helvetica Light" charset="0"/>
+                      <a:cs typeface="Helvetica Light" charset="0"/>
                     </a:rPr>
                     <a:t> </a:t>
                   </a:r>
@@ -7914,9 +7969,10 @@
                 <a:p>
                   <a:pPr algn="just"/>
                   <a:r>
-                    <a:rPr lang="en-US" sz="4286" dirty="0">
-                      <a:latin typeface="Leelawadee UI Semilight" panose="020B0402040204020203" pitchFamily="34" charset="-34"/>
-                      <a:cs typeface="Leelawadee UI Semilight" panose="020B0402040204020203" pitchFamily="34" charset="-34"/>
+                    <a:rPr lang="en-US" sz="4286" b="0" dirty="0">
+                      <a:latin typeface="Helvetica Light" charset="0"/>
+                      <a:ea typeface="Helvetica Light" charset="0"/>
+                      <a:cs typeface="Helvetica Light" charset="0"/>
                     </a:rPr>
                     <a:t>International</a:t>
                   </a:r>
@@ -7924,9 +7980,10 @@
                 <a:p>
                   <a:pPr algn="just"/>
                   <a:r>
-                    <a:rPr lang="en-US" sz="4286" dirty="0">
-                      <a:latin typeface="Leelawadee UI Semilight" panose="020B0402040204020203" pitchFamily="34" charset="-34"/>
-                      <a:cs typeface="Leelawadee UI Semilight" panose="020B0402040204020203" pitchFamily="34" charset="-34"/>
+                    <a:rPr lang="en-US" sz="4286" b="0" dirty="0">
+                      <a:latin typeface="Helvetica Light" charset="0"/>
+                      <a:ea typeface="Helvetica Light" charset="0"/>
+                      <a:cs typeface="Helvetica Light" charset="0"/>
                     </a:rPr>
                     <a:t>Semantic Web</a:t>
                   </a:r>
@@ -7934,9 +7991,10 @@
                 <a:p>
                   <a:pPr algn="just"/>
                   <a:r>
-                    <a:rPr lang="en-US" sz="4286" dirty="0">
-                      <a:latin typeface="Leelawadee UI Semilight" panose="020B0402040204020203" pitchFamily="34" charset="-34"/>
-                      <a:cs typeface="Leelawadee UI Semilight" panose="020B0402040204020203" pitchFamily="34" charset="-34"/>
+                    <a:rPr lang="en-US" sz="4286" b="0" dirty="0">
+                      <a:latin typeface="Helvetica Light" charset="0"/>
+                      <a:ea typeface="Helvetica Light" charset="0"/>
+                      <a:cs typeface="Helvetica Light" charset="0"/>
                     </a:rPr>
                     <a:t>Conference</a:t>
                   </a:r>
@@ -7970,9 +8028,10 @@
               <a:lstStyle/>
               <a:p>
                 <a:r>
-                  <a:rPr lang="en-US" sz="1857" b="1" dirty="0">
-                    <a:latin typeface="Leelawadee" panose="020B0502040204020203" pitchFamily="34" charset="-34"/>
-                    <a:cs typeface="Leelawadee" panose="020B0502040204020203" pitchFamily="34" charset="-34"/>
+                  <a:rPr lang="en-US" sz="1857" dirty="0">
+                    <a:latin typeface="Helvetica Light" charset="0"/>
+                    <a:ea typeface="Helvetica Light" charset="0"/>
+                    <a:cs typeface="Helvetica Light" charset="0"/>
                   </a:rPr>
                   <a:t>October 17-21</a:t>
                 </a:r>
@@ -8018,13 +8077,13 @@
   <p:clrMapOvr>
     <a:masterClrMapping/>
   </p:clrMapOvr>
-  <mc:AlternateContent xmlns:mc="http://schemas.openxmlformats.org/markup-compatibility/2006">
-    <mc:Choice xmlns:p14="http://schemas.microsoft.com/office/powerpoint/2010/main" Requires="p14">
+  <mc:AlternateContent xmlns:mc="http://schemas.openxmlformats.org/markup-compatibility/2006" xmlns:p14="http://schemas.microsoft.com/office/powerpoint/2010/main">
+    <mc:Choice Requires="p14">
       <p:transition spd="slow" p14:dur="1600">
         <p:blinds dir="vert"/>
       </p:transition>
     </mc:Choice>
-    <mc:Fallback>
+    <mc:Fallback xmlns="">
       <p:transition spd="slow">
         <p:blinds dir="vert"/>
       </p:transition>
@@ -8138,10 +8197,18 @@
           <a:p>
             <a:pPr algn="ctr"/>
             <a:r>
-              <a:rPr lang="en-US" b="1" dirty="0" smtClean="0"/>
+              <a:rPr lang="en-US" dirty="0" smtClean="0">
+                <a:latin typeface="Helvetica Light" charset="0"/>
+                <a:ea typeface="Helvetica Light" charset="0"/>
+                <a:cs typeface="Helvetica Light" charset="0"/>
+              </a:rPr>
               <a:t>Section</a:t>
             </a:r>
-            <a:endParaRPr lang="en-US" b="1" dirty="0"/>
+            <a:endParaRPr lang="en-US" dirty="0">
+              <a:latin typeface="Helvetica Light" charset="0"/>
+              <a:ea typeface="Helvetica Light" charset="0"/>
+              <a:cs typeface="Helvetica Light" charset="0"/>
+            </a:endParaRPr>
           </a:p>
         </p:txBody>
       </p:sp>
@@ -8162,7 +8229,9 @@
           </a:xfrm>
         </p:spPr>
         <p:txBody>
-          <a:bodyPr/>
+          <a:bodyPr>
+            <a:normAutofit/>
+          </a:bodyPr>
           <a:lstStyle/>
           <a:p>
             <a:pPr algn="ctr"/>
@@ -8174,6 +8243,9 @@
                     <a:lumOff val="15000"/>
                   </a:schemeClr>
                 </a:solidFill>
+                <a:latin typeface="Helvetica Light" charset="0"/>
+                <a:ea typeface="Helvetica Light" charset="0"/>
+                <a:cs typeface="Helvetica Light" charset="0"/>
               </a:rPr>
               <a:t>Description</a:t>
             </a:r>
@@ -8184,6 +8256,9 @@
                   <a:lumOff val="15000"/>
                 </a:schemeClr>
               </a:solidFill>
+              <a:latin typeface="Helvetica Light" charset="0"/>
+              <a:ea typeface="Helvetica Light" charset="0"/>
+              <a:cs typeface="Helvetica Light" charset="0"/>
             </a:endParaRPr>
           </a:p>
         </p:txBody>
@@ -11019,9 +11094,10 @@
                 </a:lstStyle>
                 <a:p>
                   <a:r>
-                    <a:rPr lang="en-US" sz="4286" dirty="0">
-                      <a:latin typeface="Leelawadee UI Semilight" panose="020B0402040204020203" pitchFamily="34" charset="-34"/>
-                      <a:cs typeface="Leelawadee UI Semilight" panose="020B0402040204020203" pitchFamily="34" charset="-34"/>
+                    <a:rPr lang="en-US" sz="4286" b="0" dirty="0">
+                      <a:latin typeface="Helvetica Light" charset="0"/>
+                      <a:ea typeface="Helvetica Light" charset="0"/>
+                      <a:cs typeface="Helvetica Light" charset="0"/>
                     </a:rPr>
                     <a:t>2 0 1 6</a:t>
                   </a:r>
@@ -11067,10 +11143,13 @@
                 </a:lstStyle>
                 <a:p>
                   <a:r>
-                    <a:rPr lang="en-US" sz="4286" spc="429" dirty="0">
+                    <a:rPr lang="en-US" sz="4286" b="0" spc="429" dirty="0">
                       <a:solidFill>
                         <a:schemeClr val="tx1"/>
                       </a:solidFill>
+                      <a:latin typeface="Helvetica Light" charset="0"/>
+                      <a:ea typeface="Helvetica Light" charset="0"/>
+                      <a:cs typeface="Helvetica Light" charset="0"/>
                     </a:rPr>
                     <a:t>Kobe, Japan</a:t>
                   </a:r>
@@ -11113,23 +11192,26 @@
                 <a:p>
                   <a:pPr algn="just"/>
                   <a:r>
-                    <a:rPr lang="en-US" sz="4286" dirty="0">
-                      <a:latin typeface="Leelawadee UI Semilight" panose="020B0402040204020203" pitchFamily="34" charset="-34"/>
-                      <a:cs typeface="Leelawadee UI Semilight" panose="020B0402040204020203" pitchFamily="34" charset="-34"/>
+                    <a:rPr lang="en-US" sz="4286" b="0" dirty="0">
+                      <a:latin typeface="Helvetica Light" charset="0"/>
+                      <a:ea typeface="Helvetica Light" charset="0"/>
+                      <a:cs typeface="Helvetica Light" charset="0"/>
                     </a:rPr>
                     <a:t>The 15</a:t>
                   </a:r>
                   <a:r>
-                    <a:rPr lang="en-US" sz="4286" baseline="30000" dirty="0">
-                      <a:latin typeface="Leelawadee UI Semilight" panose="020B0402040204020203" pitchFamily="34" charset="-34"/>
-                      <a:cs typeface="Leelawadee UI Semilight" panose="020B0402040204020203" pitchFamily="34" charset="-34"/>
+                    <a:rPr lang="en-US" sz="4286" b="0" baseline="30000" dirty="0">
+                      <a:latin typeface="Helvetica Light" charset="0"/>
+                      <a:ea typeface="Helvetica Light" charset="0"/>
+                      <a:cs typeface="Helvetica Light" charset="0"/>
                     </a:rPr>
                     <a:t>th</a:t>
                   </a:r>
                   <a:r>
-                    <a:rPr lang="en-US" sz="4286" dirty="0">
-                      <a:latin typeface="Leelawadee UI Semilight" panose="020B0402040204020203" pitchFamily="34" charset="-34"/>
-                      <a:cs typeface="Leelawadee UI Semilight" panose="020B0402040204020203" pitchFamily="34" charset="-34"/>
+                    <a:rPr lang="en-US" sz="4286" b="0" dirty="0">
+                      <a:latin typeface="Helvetica Light" charset="0"/>
+                      <a:ea typeface="Helvetica Light" charset="0"/>
+                      <a:cs typeface="Helvetica Light" charset="0"/>
                     </a:rPr>
                     <a:t> </a:t>
                   </a:r>
@@ -11137,9 +11219,10 @@
                 <a:p>
                   <a:pPr algn="just"/>
                   <a:r>
-                    <a:rPr lang="en-US" sz="4286" dirty="0">
-                      <a:latin typeface="Leelawadee UI Semilight" panose="020B0402040204020203" pitchFamily="34" charset="-34"/>
-                      <a:cs typeface="Leelawadee UI Semilight" panose="020B0402040204020203" pitchFamily="34" charset="-34"/>
+                    <a:rPr lang="en-US" sz="4286" b="0" dirty="0">
+                      <a:latin typeface="Helvetica Light" charset="0"/>
+                      <a:ea typeface="Helvetica Light" charset="0"/>
+                      <a:cs typeface="Helvetica Light" charset="0"/>
                     </a:rPr>
                     <a:t>International</a:t>
                   </a:r>
@@ -11147,9 +11230,10 @@
                 <a:p>
                   <a:pPr algn="just"/>
                   <a:r>
-                    <a:rPr lang="en-US" sz="4286" dirty="0">
-                      <a:latin typeface="Leelawadee UI Semilight" panose="020B0402040204020203" pitchFamily="34" charset="-34"/>
-                      <a:cs typeface="Leelawadee UI Semilight" panose="020B0402040204020203" pitchFamily="34" charset="-34"/>
+                    <a:rPr lang="en-US" sz="4286" b="0" dirty="0">
+                      <a:latin typeface="Helvetica Light" charset="0"/>
+                      <a:ea typeface="Helvetica Light" charset="0"/>
+                      <a:cs typeface="Helvetica Light" charset="0"/>
                     </a:rPr>
                     <a:t>Semantic Web</a:t>
                   </a:r>
@@ -11157,9 +11241,10 @@
                 <a:p>
                   <a:pPr algn="just"/>
                   <a:r>
-                    <a:rPr lang="en-US" sz="4286" dirty="0">
-                      <a:latin typeface="Leelawadee UI Semilight" panose="020B0402040204020203" pitchFamily="34" charset="-34"/>
-                      <a:cs typeface="Leelawadee UI Semilight" panose="020B0402040204020203" pitchFamily="34" charset="-34"/>
+                    <a:rPr lang="en-US" sz="4286" b="0" dirty="0">
+                      <a:latin typeface="Helvetica Light" charset="0"/>
+                      <a:ea typeface="Helvetica Light" charset="0"/>
+                      <a:cs typeface="Helvetica Light" charset="0"/>
                     </a:rPr>
                     <a:t>Conference</a:t>
                   </a:r>
@@ -11193,9 +11278,10 @@
               <a:lstStyle/>
               <a:p>
                 <a:r>
-                  <a:rPr lang="en-US" sz="1857" b="1" dirty="0">
-                    <a:latin typeface="Leelawadee" panose="020B0502040204020203" pitchFamily="34" charset="-34"/>
-                    <a:cs typeface="Leelawadee" panose="020B0502040204020203" pitchFamily="34" charset="-34"/>
+                  <a:rPr lang="en-US" sz="1857" dirty="0">
+                    <a:latin typeface="Helvetica Light" charset="0"/>
+                    <a:ea typeface="Helvetica Light" charset="0"/>
+                    <a:cs typeface="Helvetica Light" charset="0"/>
                   </a:rPr>
                   <a:t>October 17-21</a:t>
                 </a:r>
@@ -11241,13 +11327,13 @@
   <p:clrMapOvr>
     <a:masterClrMapping/>
   </p:clrMapOvr>
-  <mc:AlternateContent xmlns:mc="http://schemas.openxmlformats.org/markup-compatibility/2006">
-    <mc:Choice xmlns:p14="http://schemas.microsoft.com/office/powerpoint/2010/main" Requires="p14">
+  <mc:AlternateContent xmlns:mc="http://schemas.openxmlformats.org/markup-compatibility/2006" xmlns:p14="http://schemas.microsoft.com/office/powerpoint/2010/main">
+    <mc:Choice Requires="p14">
       <p:transition spd="slow" p14:dur="1600">
         <p:blinds dir="vert"/>
       </p:transition>
     </mc:Choice>
-    <mc:Fallback>
+    <mc:Fallback xmlns="">
       <p:transition spd="slow">
         <p:blinds dir="vert"/>
       </p:transition>
@@ -11348,7 +11434,7 @@
         </p:nvSpPr>
         <p:spPr>
           <a:xfrm>
-            <a:off x="273980" y="355707"/>
+            <a:off x="273980" y="405582"/>
             <a:ext cx="6779147" cy="788111"/>
           </a:xfrm>
         </p:spPr>
@@ -11357,10 +11443,18 @@
           <a:lstStyle/>
           <a:p>
             <a:r>
-              <a:rPr lang="en-US" dirty="0" smtClean="0"/>
-              <a:t>Title</a:t>
+              <a:rPr lang="en-US" dirty="0" smtClean="0">
+                <a:latin typeface="Helvetica Light" charset="0"/>
+                <a:ea typeface="Helvetica Light" charset="0"/>
+                <a:cs typeface="Helvetica Light" charset="0"/>
+              </a:rPr>
+              <a:t>Heading</a:t>
             </a:r>
-            <a:endParaRPr lang="en-US" dirty="0"/>
+            <a:endParaRPr lang="en-US" dirty="0">
+              <a:latin typeface="Helvetica Light" charset="0"/>
+              <a:ea typeface="Helvetica Light" charset="0"/>
+              <a:cs typeface="Helvetica Light" charset="0"/>
+            </a:endParaRPr>
           </a:p>
         </p:txBody>
       </p:sp>
@@ -11384,7 +11478,19 @@
           <a:bodyPr/>
           <a:lstStyle/>
           <a:p>
-            <a:endParaRPr lang="en-US" dirty="0"/>
+            <a:r>
+              <a:rPr lang="en-US" dirty="0" smtClean="0">
+                <a:latin typeface="Helvetica Light" charset="0"/>
+                <a:ea typeface="Helvetica Light" charset="0"/>
+                <a:cs typeface="Helvetica Light" charset="0"/>
+              </a:rPr>
+              <a:t>content</a:t>
+            </a:r>
+            <a:endParaRPr lang="en-US" dirty="0">
+              <a:latin typeface="Helvetica Light" charset="0"/>
+              <a:ea typeface="Helvetica Light" charset="0"/>
+              <a:cs typeface="Helvetica Light" charset="0"/>
+            </a:endParaRPr>
           </a:p>
         </p:txBody>
       </p:sp>
@@ -12264,9 +12370,10 @@
               </a:lstStyle>
               <a:p>
                 <a:r>
-                  <a:rPr lang="en-US" sz="4286" dirty="0">
-                    <a:latin typeface="Leelawadee UI Semilight" panose="020B0402040204020203" pitchFamily="34" charset="-34"/>
-                    <a:cs typeface="Leelawadee UI Semilight" panose="020B0402040204020203" pitchFamily="34" charset="-34"/>
+                  <a:rPr lang="en-US" sz="4286" b="0" dirty="0">
+                    <a:latin typeface="Helvetica Light" charset="0"/>
+                    <a:ea typeface="Helvetica Light" charset="0"/>
+                    <a:cs typeface="Helvetica Light" charset="0"/>
                   </a:rPr>
                   <a:t>2 0 1 6</a:t>
                 </a:r>
@@ -12418,13 +12525,13 @@
   <p:clrMapOvr>
     <a:masterClrMapping/>
   </p:clrMapOvr>
-  <mc:AlternateContent xmlns:mc="http://schemas.openxmlformats.org/markup-compatibility/2006">
-    <mc:Choice xmlns:p14="http://schemas.microsoft.com/office/powerpoint/2010/main" Requires="p14">
+  <mc:AlternateContent xmlns:mc="http://schemas.openxmlformats.org/markup-compatibility/2006" xmlns:p14="http://schemas.microsoft.com/office/powerpoint/2010/main">
+    <mc:Choice Requires="p14">
       <p:transition spd="med" p14:dur="700">
         <p:fade/>
       </p:transition>
     </mc:Choice>
-    <mc:Fallback>
+    <mc:Fallback xmlns="">
       <p:transition spd="med">
         <p:fade/>
       </p:transition>
@@ -13026,7 +13133,9 @@
               <p:txBody>
                 <a:bodyPr wrap="none" numCol="1" rtlCol="0">
                   <a:prstTxWarp prst="textPlain">
-                    <a:avLst/>
+                    <a:avLst>
+                      <a:gd name="adj" fmla="val 49792"/>
+                    </a:avLst>
                   </a:prstTxWarp>
                   <a:spAutoFit/>
                 </a:bodyPr>
@@ -13042,9 +13151,10 @@
                 </a:lstStyle>
                 <a:p>
                   <a:r>
-                    <a:rPr lang="en-US" sz="4286" dirty="0">
-                      <a:latin typeface="Leelawadee UI Semilight" panose="020B0402040204020203" pitchFamily="34" charset="-34"/>
-                      <a:cs typeface="Leelawadee UI Semilight" panose="020B0402040204020203" pitchFamily="34" charset="-34"/>
+                    <a:rPr lang="en-US" sz="4286" b="0" dirty="0">
+                      <a:latin typeface="Helvetica Light" charset="0"/>
+                      <a:ea typeface="Helvetica Light" charset="0"/>
+                      <a:cs typeface="Helvetica Light" charset="0"/>
                     </a:rPr>
                     <a:t>2 0 1 6</a:t>
                   </a:r>
@@ -13090,10 +13200,13 @@
                 </a:lstStyle>
                 <a:p>
                   <a:r>
-                    <a:rPr lang="en-US" sz="4286" spc="429" dirty="0">
+                    <a:rPr lang="en-US" sz="4286" b="0" spc="429" dirty="0">
                       <a:solidFill>
                         <a:schemeClr val="tx1"/>
                       </a:solidFill>
+                      <a:latin typeface="Helvetica Light" charset="0"/>
+                      <a:ea typeface="Helvetica Light" charset="0"/>
+                      <a:cs typeface="Helvetica Light" charset="0"/>
                     </a:rPr>
                     <a:t>Kobe, Japan</a:t>
                   </a:r>
@@ -13136,23 +13249,26 @@
                 <a:p>
                   <a:pPr algn="just"/>
                   <a:r>
-                    <a:rPr lang="en-US" sz="4286" dirty="0">
-                      <a:latin typeface="Leelawadee UI Semilight" panose="020B0402040204020203" pitchFamily="34" charset="-34"/>
-                      <a:cs typeface="Leelawadee UI Semilight" panose="020B0402040204020203" pitchFamily="34" charset="-34"/>
+                    <a:rPr lang="en-US" sz="4286" b="0" dirty="0">
+                      <a:latin typeface="Helvetica Light" charset="0"/>
+                      <a:ea typeface="Helvetica Light" charset="0"/>
+                      <a:cs typeface="Helvetica Light" charset="0"/>
                     </a:rPr>
                     <a:t>The 15</a:t>
                   </a:r>
                   <a:r>
-                    <a:rPr lang="en-US" sz="4286" baseline="30000" dirty="0">
-                      <a:latin typeface="Leelawadee UI Semilight" panose="020B0402040204020203" pitchFamily="34" charset="-34"/>
-                      <a:cs typeface="Leelawadee UI Semilight" panose="020B0402040204020203" pitchFamily="34" charset="-34"/>
+                    <a:rPr lang="en-US" sz="4286" b="0" baseline="30000" dirty="0">
+                      <a:latin typeface="Helvetica Light" charset="0"/>
+                      <a:ea typeface="Helvetica Light" charset="0"/>
+                      <a:cs typeface="Helvetica Light" charset="0"/>
                     </a:rPr>
                     <a:t>th</a:t>
                   </a:r>
                   <a:r>
-                    <a:rPr lang="en-US" sz="4286" dirty="0">
-                      <a:latin typeface="Leelawadee UI Semilight" panose="020B0402040204020203" pitchFamily="34" charset="-34"/>
-                      <a:cs typeface="Leelawadee UI Semilight" panose="020B0402040204020203" pitchFamily="34" charset="-34"/>
+                    <a:rPr lang="en-US" sz="4286" b="0" dirty="0">
+                      <a:latin typeface="Helvetica Light" charset="0"/>
+                      <a:ea typeface="Helvetica Light" charset="0"/>
+                      <a:cs typeface="Helvetica Light" charset="0"/>
                     </a:rPr>
                     <a:t> </a:t>
                   </a:r>
@@ -13160,9 +13276,10 @@
                 <a:p>
                   <a:pPr algn="just"/>
                   <a:r>
-                    <a:rPr lang="en-US" sz="4286" dirty="0">
-                      <a:latin typeface="Leelawadee UI Semilight" panose="020B0402040204020203" pitchFamily="34" charset="-34"/>
-                      <a:cs typeface="Leelawadee UI Semilight" panose="020B0402040204020203" pitchFamily="34" charset="-34"/>
+                    <a:rPr lang="en-US" sz="4286" b="0" dirty="0">
+                      <a:latin typeface="Helvetica Light" charset="0"/>
+                      <a:ea typeface="Helvetica Light" charset="0"/>
+                      <a:cs typeface="Helvetica Light" charset="0"/>
                     </a:rPr>
                     <a:t>International</a:t>
                   </a:r>
@@ -13170,9 +13287,10 @@
                 <a:p>
                   <a:pPr algn="just"/>
                   <a:r>
-                    <a:rPr lang="en-US" sz="4286" dirty="0">
-                      <a:latin typeface="Leelawadee UI Semilight" panose="020B0402040204020203" pitchFamily="34" charset="-34"/>
-                      <a:cs typeface="Leelawadee UI Semilight" panose="020B0402040204020203" pitchFamily="34" charset="-34"/>
+                    <a:rPr lang="en-US" sz="4286" b="0" dirty="0">
+                      <a:latin typeface="Helvetica Light" charset="0"/>
+                      <a:ea typeface="Helvetica Light" charset="0"/>
+                      <a:cs typeface="Helvetica Light" charset="0"/>
                     </a:rPr>
                     <a:t>Semantic Web</a:t>
                   </a:r>
@@ -13180,9 +13298,10 @@
                 <a:p>
                   <a:pPr algn="just"/>
                   <a:r>
-                    <a:rPr lang="en-US" sz="4286" dirty="0">
-                      <a:latin typeface="Leelawadee UI Semilight" panose="020B0402040204020203" pitchFamily="34" charset="-34"/>
-                      <a:cs typeface="Leelawadee UI Semilight" panose="020B0402040204020203" pitchFamily="34" charset="-34"/>
+                    <a:rPr lang="en-US" sz="4286" b="0" dirty="0">
+                      <a:latin typeface="Helvetica Light" charset="0"/>
+                      <a:ea typeface="Helvetica Light" charset="0"/>
+                      <a:cs typeface="Helvetica Light" charset="0"/>
                     </a:rPr>
                     <a:t>Conference</a:t>
                   </a:r>
@@ -13216,9 +13335,10 @@
               <a:lstStyle/>
               <a:p>
                 <a:r>
-                  <a:rPr lang="en-US" sz="1857" b="1" dirty="0">
-                    <a:latin typeface="Leelawadee" panose="020B0502040204020203" pitchFamily="34" charset="-34"/>
-                    <a:cs typeface="Leelawadee" panose="020B0502040204020203" pitchFamily="34" charset="-34"/>
+                  <a:rPr lang="en-US" sz="1857" dirty="0">
+                    <a:latin typeface="Helvetica Light" charset="0"/>
+                    <a:ea typeface="Helvetica Light" charset="0"/>
+                    <a:cs typeface="Helvetica Light" charset="0"/>
                   </a:rPr>
                   <a:t>October 17-21</a:t>
                 </a:r>
@@ -13345,17 +13465,23 @@
           <a:lstStyle/>
           <a:p>
             <a:r>
-              <a:rPr lang="en-US" b="1" dirty="0" smtClean="0">
+              <a:rPr lang="en-US" dirty="0" smtClean="0">
                 <a:solidFill>
                   <a:schemeClr val="bg1"/>
                 </a:solidFill>
+                <a:latin typeface="Helvetica Light" charset="0"/>
+                <a:ea typeface="Helvetica Light" charset="0"/>
+                <a:cs typeface="Helvetica Light" charset="0"/>
               </a:rPr>
               <a:t>Final Slide</a:t>
             </a:r>
-            <a:endParaRPr lang="en-US" b="1" dirty="0">
+            <a:endParaRPr lang="en-US" dirty="0">
               <a:solidFill>
                 <a:schemeClr val="bg1"/>
               </a:solidFill>
+              <a:latin typeface="Helvetica Light" charset="0"/>
+              <a:ea typeface="Helvetica Light" charset="0"/>
+              <a:cs typeface="Helvetica Light" charset="0"/>
             </a:endParaRPr>
           </a:p>
         </p:txBody>
@@ -13387,6 +13513,9 @@
                     <a:lumMod val="85000"/>
                   </a:schemeClr>
                 </a:solidFill>
+                <a:latin typeface="Helvetica Light" charset="0"/>
+                <a:ea typeface="Helvetica Light" charset="0"/>
+                <a:cs typeface="Helvetica Light" charset="0"/>
               </a:rPr>
               <a:t>Message</a:t>
             </a:r>
@@ -13396,6 +13525,9 @@
                   <a:lumMod val="85000"/>
                 </a:schemeClr>
               </a:solidFill>
+              <a:latin typeface="Helvetica Light" charset="0"/>
+              <a:ea typeface="Helvetica Light" charset="0"/>
+              <a:cs typeface="Helvetica Light" charset="0"/>
             </a:endParaRPr>
           </a:p>
         </p:txBody>
@@ -13410,13 +13542,13 @@
   <p:clrMapOvr>
     <a:masterClrMapping/>
   </p:clrMapOvr>
-  <mc:AlternateContent xmlns:mc="http://schemas.openxmlformats.org/markup-compatibility/2006">
-    <mc:Choice xmlns:p14="http://schemas.microsoft.com/office/powerpoint/2010/main" Requires="p14">
+  <mc:AlternateContent xmlns:mc="http://schemas.openxmlformats.org/markup-compatibility/2006" xmlns:p14="http://schemas.microsoft.com/office/powerpoint/2010/main">
+    <mc:Choice Requires="p14">
       <p:transition spd="slow" p14:dur="2000">
         <p14:vortex dir="u"/>
       </p:transition>
     </mc:Choice>
-    <mc:Fallback>
+    <mc:Fallback xmlns="">
       <p:transition spd="slow">
         <p:fade/>
       </p:transition>

--- a/files/iswc2016-slide-formal.pptx
+++ b/files/iswc2016-slide-formal.pptx
@@ -201,7 +201,7 @@
           <a:p>
             <a:fld id="{AE4AC575-AC5C-A746-BE02-2EF7EA4BB4F7}" type="datetimeFigureOut">
               <a:rPr lang="en-US" smtClean="0"/>
-              <a:t>5/6/16</a:t>
+              <a:t>8/30/16</a:t>
             </a:fld>
             <a:endParaRPr lang="en-US"/>
           </a:p>
@@ -684,7 +684,7 @@
           <a:p>
             <a:fld id="{C0F9EF1C-D0A2-5244-B572-B94D592C689C}" type="datetime1">
               <a:rPr lang="en-US" smtClean="0"/>
-              <a:t>5/6/16</a:t>
+              <a:t>8/30/16</a:t>
             </a:fld>
             <a:endParaRPr lang="en-US"/>
           </a:p>
@@ -854,7 +854,7 @@
           <a:p>
             <a:fld id="{BC98ADD9-25BB-3746-8FC4-352E0147841D}" type="datetime1">
               <a:rPr lang="en-US" smtClean="0"/>
-              <a:t>5/6/16</a:t>
+              <a:t>8/30/16</a:t>
             </a:fld>
             <a:endParaRPr lang="en-US"/>
           </a:p>
@@ -1034,7 +1034,7 @@
           <a:p>
             <a:fld id="{E7BC0A6B-D513-6446-B76A-153525FEF765}" type="datetime1">
               <a:rPr lang="en-US" smtClean="0"/>
-              <a:t>5/6/16</a:t>
+              <a:t>8/30/16</a:t>
             </a:fld>
             <a:endParaRPr lang="en-US"/>
           </a:p>
@@ -1204,7 +1204,7 @@
           <a:p>
             <a:fld id="{20AD1FA1-66F5-FC42-82CA-0E9054FBA4C8}" type="datetime1">
               <a:rPr lang="en-US" smtClean="0"/>
-              <a:t>5/6/16</a:t>
+              <a:t>8/30/16</a:t>
             </a:fld>
             <a:endParaRPr lang="en-US"/>
           </a:p>
@@ -1448,7 +1448,7 @@
           <a:p>
             <a:fld id="{BCEAEB06-9E38-A24A-8EEE-3FF145BBE3AE}" type="datetime1">
               <a:rPr lang="en-US" smtClean="0"/>
-              <a:t>5/6/16</a:t>
+              <a:t>8/30/16</a:t>
             </a:fld>
             <a:endParaRPr lang="en-US"/>
           </a:p>
@@ -1680,7 +1680,7 @@
           <a:p>
             <a:fld id="{64868A99-DC4F-8C44-A1CB-F4D965EDBBFD}" type="datetime1">
               <a:rPr lang="en-US" smtClean="0"/>
-              <a:t>5/6/16</a:t>
+              <a:t>8/30/16</a:t>
             </a:fld>
             <a:endParaRPr lang="en-US"/>
           </a:p>
@@ -2047,7 +2047,7 @@
           <a:p>
             <a:fld id="{2ECB93BC-1205-B44D-BFB7-F6555B38B871}" type="datetime1">
               <a:rPr lang="en-US" smtClean="0"/>
-              <a:t>5/6/16</a:t>
+              <a:t>8/30/16</a:t>
             </a:fld>
             <a:endParaRPr lang="en-US"/>
           </a:p>
@@ -2165,7 +2165,7 @@
           <a:p>
             <a:fld id="{2FE3CEF1-5276-7043-8E22-023C01031606}" type="datetime1">
               <a:rPr lang="en-US" smtClean="0"/>
-              <a:t>5/6/16</a:t>
+              <a:t>8/30/16</a:t>
             </a:fld>
             <a:endParaRPr lang="en-US"/>
           </a:p>
@@ -2260,7 +2260,7 @@
           <a:p>
             <a:fld id="{4F8D836A-0EBF-F24A-95EF-F7D3329B9A30}" type="datetime1">
               <a:rPr lang="en-US" smtClean="0"/>
-              <a:t>5/6/16</a:t>
+              <a:t>8/30/16</a:t>
             </a:fld>
             <a:endParaRPr lang="en-US"/>
           </a:p>
@@ -2537,7 +2537,7 @@
           <a:p>
             <a:fld id="{A0524C8E-4C43-0542-AF80-389D5E204D18}" type="datetime1">
               <a:rPr lang="en-US" smtClean="0"/>
-              <a:t>5/6/16</a:t>
+              <a:t>8/30/16</a:t>
             </a:fld>
             <a:endParaRPr lang="en-US"/>
           </a:p>
@@ -2794,7 +2794,7 @@
           <a:p>
             <a:fld id="{1CAEC221-A751-574B-A0E6-06C291E3AECF}" type="datetime1">
               <a:rPr lang="en-US" smtClean="0"/>
-              <a:t>5/6/16</a:t>
+              <a:t>8/30/16</a:t>
             </a:fld>
             <a:endParaRPr lang="en-US"/>
           </a:p>
@@ -3007,7 +3007,7 @@
           <a:p>
             <a:fld id="{E23851E6-3CD1-8C41-831B-78F6F775DCC9}" type="datetime1">
               <a:rPr lang="en-US" smtClean="0"/>
-              <a:t>5/6/16</a:t>
+              <a:t>8/30/16</a:t>
             </a:fld>
             <a:endParaRPr lang="en-US"/>
           </a:p>
@@ -4536,9 +4536,9 @@
                 <a:p>
                   <a:r>
                     <a:rPr lang="en-US" sz="4286" b="0" dirty="0">
-                      <a:latin typeface="Helvetica Light" charset="0"/>
-                      <a:ea typeface="Helvetica Light" charset="0"/>
-                      <a:cs typeface="Helvetica Light" charset="0"/>
+                      <a:latin typeface="Helvetica" charset="0"/>
+                      <a:ea typeface="Helvetica" charset="0"/>
+                      <a:cs typeface="Helvetica" charset="0"/>
                     </a:rPr>
                     <a:t>2 0 1 6</a:t>
                   </a:r>
@@ -7845,9 +7845,9 @@
                 <a:p>
                   <a:r>
                     <a:rPr lang="en-US" sz="4286" b="0" dirty="0">
-                      <a:latin typeface="Helvetica Light" charset="0"/>
-                      <a:ea typeface="Helvetica Light" charset="0"/>
-                      <a:cs typeface="Helvetica Light" charset="0"/>
+                      <a:latin typeface="Helvetica" charset="0"/>
+                      <a:ea typeface="Helvetica" charset="0"/>
+                      <a:cs typeface="Helvetica" charset="0"/>
                     </a:rPr>
                     <a:t>2 0 1 6</a:t>
                   </a:r>
@@ -11095,9 +11095,9 @@
                 <a:p>
                   <a:r>
                     <a:rPr lang="en-US" sz="4286" b="0" dirty="0">
-                      <a:latin typeface="Helvetica Light" charset="0"/>
-                      <a:ea typeface="Helvetica Light" charset="0"/>
-                      <a:cs typeface="Helvetica Light" charset="0"/>
+                      <a:latin typeface="Helvetica" charset="0"/>
+                      <a:ea typeface="Helvetica" charset="0"/>
+                      <a:cs typeface="Helvetica" charset="0"/>
                     </a:rPr>
                     <a:t>2 0 1 6</a:t>
                   </a:r>
@@ -12371,9 +12371,9 @@
               <a:p>
                 <a:r>
                   <a:rPr lang="en-US" sz="4286" b="0" dirty="0">
-                    <a:latin typeface="Helvetica Light" charset="0"/>
-                    <a:ea typeface="Helvetica Light" charset="0"/>
-                    <a:cs typeface="Helvetica Light" charset="0"/>
+                    <a:latin typeface="Helvetica" charset="0"/>
+                    <a:ea typeface="Helvetica" charset="0"/>
+                    <a:cs typeface="Helvetica" charset="0"/>
                   </a:rPr>
                   <a:t>2 0 1 6</a:t>
                 </a:r>
@@ -13152,9 +13152,9 @@
                 <a:p>
                   <a:r>
                     <a:rPr lang="en-US" sz="4286" b="0" dirty="0">
-                      <a:latin typeface="Helvetica Light" charset="0"/>
-                      <a:ea typeface="Helvetica Light" charset="0"/>
-                      <a:cs typeface="Helvetica Light" charset="0"/>
+                      <a:latin typeface="Helvetica" charset="0"/>
+                      <a:ea typeface="Helvetica" charset="0"/>
+                      <a:cs typeface="Helvetica" charset="0"/>
                     </a:rPr>
                     <a:t>2 0 1 6</a:t>
                   </a:r>
